--- a/Bankers.pptx
+++ b/Bankers.pptx
@@ -10,7 +10,8 @@
     <p:sldId id="258" r:id="rId4"/>
     <p:sldId id="259" r:id="rId5"/>
     <p:sldId id="261" r:id="rId6"/>
-    <p:sldId id="260" r:id="rId7"/>
+    <p:sldId id="262" r:id="rId7"/>
+    <p:sldId id="260" r:id="rId8"/>
   </p:sldIdLst>
   <p:sldSz cx="12192000" cy="6858000"/>
   <p:notesSz cx="6858000" cy="9144000"/>
@@ -109,6 +110,11 @@
       </a:defRPr>
     </a:lvl9pPr>
   </p:defaultTextStyle>
+  <p:extLst>
+    <p:ext uri="{EFAFB233-063F-42B5-8137-9DF3F51BA10A}">
+      <p15:sldGuideLst xmlns:p15="http://schemas.microsoft.com/office/powerpoint/2012/main"/>
+    </p:ext>
+  </p:extLst>
 </p:presentation>
 </file>
 
@@ -3015,8 +3021,8 @@
         </p:nvSpPr>
         <p:spPr>
           <a:xfrm>
-            <a:off x="2383809" y="4393607"/>
-            <a:ext cx="9144000" cy="2102727"/>
+            <a:off x="2370161" y="4680211"/>
+            <a:ext cx="9144000" cy="1816124"/>
           </a:xfrm>
         </p:spPr>
         <p:txBody>
@@ -3048,21 +3054,6 @@
             <a:r>
               <a:rPr lang="en-US" sz="2800" i="1" dirty="0" smtClean="0"/>
               <a:t> (hristov.reading@gmail.com) </a:t>
-            </a:r>
-          </a:p>
-          <a:p>
-            <a:pPr algn="r"/>
-            <a:r>
-              <a:rPr lang="en-US" sz="2800" i="1" dirty="0" smtClean="0"/>
-              <a:t>Pavel </a:t>
-            </a:r>
-            <a:r>
-              <a:rPr lang="en-US" sz="2800" i="1" dirty="0" err="1" smtClean="0"/>
-              <a:t>Nikolov</a:t>
-            </a:r>
-            <a:r>
-              <a:rPr lang="en-US" sz="2800" i="1" dirty="0" smtClean="0"/>
-              <a:t> (pavelnnikolov@gmail.com) </a:t>
             </a:r>
           </a:p>
           <a:p>
@@ -3354,15 +3345,19 @@
             </a:pPr>
             <a:r>
               <a:rPr lang="en-US" dirty="0" smtClean="0"/>
-              <a:t>Order by </a:t>
-            </a:r>
-            <a:r>
-              <a:rPr lang="en-US" dirty="0" err="1" smtClean="0"/>
-              <a:t>occurance</a:t>
+              <a:t>Order </a:t>
+            </a:r>
+            <a:r>
+              <a:rPr lang="en-US" smtClean="0"/>
+              <a:t>by </a:t>
+            </a:r>
+            <a:r>
+              <a:rPr lang="en-US" smtClean="0"/>
+              <a:t>occurrence </a:t>
             </a:r>
             <a:r>
               <a:rPr lang="en-US" dirty="0" smtClean="0"/>
-              <a:t> in the receipt</a:t>
+              <a:t>in the receipt</a:t>
             </a:r>
           </a:p>
           <a:p>
@@ -3374,7 +3369,6 @@
               <a:rPr lang="en-US" dirty="0" smtClean="0"/>
               <a:t>Order by value in the receipt</a:t>
             </a:r>
-            <a:endParaRPr lang="en-US" dirty="0" smtClean="0"/>
           </a:p>
           <a:p>
             <a:pPr marL="971550" lvl="1" indent="-514350">
@@ -3567,7 +3561,11 @@
           <a:bodyPr/>
           <a:lstStyle/>
           <a:p>
-            <a:endParaRPr lang="en-US"/>
+            <a:r>
+              <a:rPr lang="en-US" dirty="0" smtClean="0"/>
+              <a:t>Achieved results or supplier detection</a:t>
+            </a:r>
+            <a:endParaRPr lang="en-US" dirty="0"/>
           </a:p>
         </p:txBody>
       </p:sp>
@@ -3586,7 +3584,102 @@
           <a:bodyPr/>
           <a:lstStyle/>
           <a:p>
-            <a:endParaRPr lang="en-US"/>
+            <a:r>
+              <a:rPr lang="en-US" dirty="0" err="1" smtClean="0"/>
+              <a:t>CountVectorizer</a:t>
+            </a:r>
+            <a:r>
+              <a:rPr lang="en-US" dirty="0" smtClean="0"/>
+              <a:t>, </a:t>
+            </a:r>
+            <a:r>
+              <a:rPr lang="en-US" dirty="0" err="1" smtClean="0"/>
+              <a:t>TfidfTransformer</a:t>
+            </a:r>
+            <a:r>
+              <a:rPr lang="en-US" dirty="0"/>
+              <a:t>,  </a:t>
+            </a:r>
+            <a:r>
+              <a:rPr lang="en-US" dirty="0" err="1" smtClean="0"/>
+              <a:t>MLPClassifier</a:t>
+            </a:r>
+            <a:r>
+              <a:rPr lang="en-US" dirty="0" smtClean="0"/>
+              <a:t> </a:t>
+            </a:r>
+            <a:r>
+              <a:rPr lang="bg-BG" dirty="0" smtClean="0"/>
+              <a:t>- </a:t>
+            </a:r>
+            <a:r>
+              <a:rPr lang="bg-BG" dirty="0"/>
+              <a:t>71% </a:t>
+            </a:r>
+            <a:endParaRPr lang="en-US" dirty="0" smtClean="0"/>
+          </a:p>
+          <a:p>
+            <a:r>
+              <a:rPr lang="en-US" dirty="0" err="1" smtClean="0"/>
+              <a:t>CountVectorizer</a:t>
+            </a:r>
+            <a:r>
+              <a:rPr lang="en-US" dirty="0"/>
+              <a:t>, </a:t>
+            </a:r>
+            <a:r>
+              <a:rPr lang="en-US" dirty="0" err="1"/>
+              <a:t>TfidfTransformer</a:t>
+            </a:r>
+            <a:r>
+              <a:rPr lang="en-US" dirty="0"/>
+              <a:t>,  </a:t>
+            </a:r>
+            <a:r>
+              <a:rPr lang="en-US" dirty="0" err="1" smtClean="0"/>
+              <a:t>LinearSVC</a:t>
+            </a:r>
+            <a:r>
+              <a:rPr lang="en-US" dirty="0"/>
+              <a:t> </a:t>
+            </a:r>
+            <a:r>
+              <a:rPr lang="en-US" dirty="0" smtClean="0"/>
+              <a:t>-</a:t>
+            </a:r>
+            <a:r>
+              <a:rPr lang="bg-BG" dirty="0" smtClean="0"/>
+              <a:t> 7</a:t>
+            </a:r>
+            <a:r>
+              <a:rPr lang="en-US" dirty="0" smtClean="0"/>
+              <a:t>1.44</a:t>
+            </a:r>
+            <a:r>
+              <a:rPr lang="bg-BG" dirty="0" smtClean="0"/>
+              <a:t>%</a:t>
+            </a:r>
+            <a:endParaRPr lang="en-US" dirty="0" smtClean="0"/>
+          </a:p>
+          <a:p>
+            <a:r>
+              <a:rPr lang="en-US" dirty="0" smtClean="0"/>
+              <a:t>NER + </a:t>
+            </a:r>
+            <a:r>
+              <a:rPr lang="en-US" dirty="0" err="1" smtClean="0"/>
+              <a:t>DBScan</a:t>
+            </a:r>
+            <a:r>
+              <a:rPr lang="en-US" dirty="0" smtClean="0"/>
+              <a:t> clustering - untested</a:t>
+            </a:r>
+          </a:p>
+          <a:p>
+            <a:endParaRPr lang="en-US" dirty="0"/>
+          </a:p>
+          <a:p>
+            <a:endParaRPr lang="en-US" dirty="0"/>
           </a:p>
         </p:txBody>
       </p:sp>
@@ -3600,10 +3693,192 @@
   <p:clrMapOvr>
     <a:masterClrMapping/>
   </p:clrMapOvr>
+  <p:timing>
+    <p:tnLst>
+      <p:par>
+        <p:cTn id="1" dur="indefinite" restart="never" nodeType="tmRoot"/>
+      </p:par>
+    </p:tnLst>
+  </p:timing>
 </p:sld>
 </file>
 
 <file path=ppt/slides/slide6.xml><?xml version="1.0" encoding="utf-8"?>
+<p:sld xmlns:a="http://schemas.openxmlformats.org/drawingml/2006/main" xmlns:r="http://schemas.openxmlformats.org/officeDocument/2006/relationships" xmlns:p="http://schemas.openxmlformats.org/presentationml/2006/main">
+  <p:cSld>
+    <p:spTree>
+      <p:nvGrpSpPr>
+        <p:cNvPr id="1" name=""/>
+        <p:cNvGrpSpPr/>
+        <p:nvPr/>
+      </p:nvGrpSpPr>
+      <p:grpSpPr>
+        <a:xfrm>
+          <a:off x="0" y="0"/>
+          <a:ext cx="0" cy="0"/>
+          <a:chOff x="0" y="0"/>
+          <a:chExt cx="0" cy="0"/>
+        </a:xfrm>
+      </p:grpSpPr>
+      <p:sp>
+        <p:nvSpPr>
+          <p:cNvPr id="2" name="Title 1"/>
+          <p:cNvSpPr>
+            <a:spLocks noGrp="1"/>
+          </p:cNvSpPr>
+          <p:nvPr>
+            <p:ph type="title"/>
+          </p:nvPr>
+        </p:nvSpPr>
+        <p:spPr/>
+        <p:txBody>
+          <a:bodyPr/>
+          <a:lstStyle/>
+          <a:p>
+            <a:r>
+              <a:rPr lang="en-US" dirty="0" smtClean="0"/>
+              <a:t>Supplier classification using CNN for images</a:t>
+            </a:r>
+            <a:endParaRPr lang="en-US" dirty="0"/>
+          </a:p>
+        </p:txBody>
+      </p:sp>
+      <p:sp>
+        <p:nvSpPr>
+          <p:cNvPr id="3" name="Content Placeholder 2"/>
+          <p:cNvSpPr>
+            <a:spLocks noGrp="1"/>
+          </p:cNvSpPr>
+          <p:nvPr>
+            <p:ph idx="1"/>
+          </p:nvPr>
+        </p:nvSpPr>
+        <p:spPr/>
+        <p:txBody>
+          <a:bodyPr/>
+          <a:lstStyle/>
+          <a:p>
+            <a:r>
+              <a:rPr lang="en-US" dirty="0" smtClean="0"/>
+              <a:t>Due to significant variance and group size two suppliers were chosen Taxi Receipts and LE Paint </a:t>
+            </a:r>
+            <a:r>
+              <a:rPr lang="en-US" dirty="0" err="1" smtClean="0"/>
+              <a:t>Quotidien</a:t>
+            </a:r>
+            <a:r>
+              <a:rPr lang="en-US" dirty="0" smtClean="0"/>
+              <a:t>.</a:t>
+            </a:r>
+          </a:p>
+          <a:p>
+            <a:r>
+              <a:rPr lang="en-US" dirty="0" smtClean="0"/>
+              <a:t>Taxi </a:t>
+            </a:r>
+            <a:r>
+              <a:rPr lang="en-US" dirty="0"/>
+              <a:t>Receipt </a:t>
+            </a:r>
+            <a:r>
+              <a:rPr lang="en-US" dirty="0" smtClean="0"/>
+              <a:t>689/689 </a:t>
+            </a:r>
+            <a:r>
+              <a:rPr lang="en-US" dirty="0"/>
+              <a:t>[==============================] - 63s - loss: 0.3625 - </a:t>
+            </a:r>
+            <a:r>
+              <a:rPr lang="en-US" dirty="0" err="1"/>
+              <a:t>acc</a:t>
+            </a:r>
+            <a:r>
+              <a:rPr lang="en-US" dirty="0"/>
+              <a:t>: 0.9086 - </a:t>
+            </a:r>
+            <a:r>
+              <a:rPr lang="en-US" dirty="0" err="1"/>
+              <a:t>val_loss</a:t>
+            </a:r>
+            <a:r>
+              <a:rPr lang="en-US" dirty="0"/>
+              <a:t>: 0.4827 - </a:t>
+            </a:r>
+            <a:r>
+              <a:rPr lang="en-US" dirty="0" err="1"/>
+              <a:t>val_acc</a:t>
+            </a:r>
+            <a:r>
+              <a:rPr lang="en-US" dirty="0"/>
+              <a:t>: </a:t>
+            </a:r>
+            <a:r>
+              <a:rPr lang="en-US" dirty="0" smtClean="0"/>
+              <a:t>0.9004</a:t>
+            </a:r>
+          </a:p>
+          <a:p>
+            <a:r>
+              <a:rPr lang="en-US" dirty="0"/>
+              <a:t>Le Pain </a:t>
+            </a:r>
+            <a:r>
+              <a:rPr lang="en-US" dirty="0" err="1"/>
+              <a:t>Quotidien</a:t>
+            </a:r>
+            <a:r>
+              <a:rPr lang="en-US" dirty="0"/>
+              <a:t> </a:t>
+            </a:r>
+            <a:r>
+              <a:rPr lang="en-US" dirty="0" smtClean="0"/>
+              <a:t> 687/687 </a:t>
+            </a:r>
+            <a:r>
+              <a:rPr lang="en-US" dirty="0"/>
+              <a:t>[==============================] - 62s - loss: 0.4223 - </a:t>
+            </a:r>
+            <a:r>
+              <a:rPr lang="en-US" dirty="0" err="1"/>
+              <a:t>acc</a:t>
+            </a:r>
+            <a:r>
+              <a:rPr lang="en-US" dirty="0"/>
+              <a:t>: 0.9738 - </a:t>
+            </a:r>
+            <a:r>
+              <a:rPr lang="en-US" dirty="0" err="1"/>
+              <a:t>val_loss</a:t>
+            </a:r>
+            <a:r>
+              <a:rPr lang="en-US" dirty="0"/>
+              <a:t>: 0.3762 - </a:t>
+            </a:r>
+            <a:r>
+              <a:rPr lang="en-US" dirty="0" err="1"/>
+              <a:t>val_acc</a:t>
+            </a:r>
+            <a:r>
+              <a:rPr lang="en-US" dirty="0"/>
+              <a:t>: 0.9767</a:t>
+            </a:r>
+          </a:p>
+        </p:txBody>
+      </p:sp>
+    </p:spTree>
+    <p:extLst>
+      <p:ext uri="{BB962C8B-B14F-4D97-AF65-F5344CB8AC3E}">
+        <p14:creationId xmlns:p14="http://schemas.microsoft.com/office/powerpoint/2010/main" val="4141584092"/>
+      </p:ext>
+    </p:extLst>
+  </p:cSld>
+  <p:clrMapOvr>
+    <a:masterClrMapping/>
+  </p:clrMapOvr>
+</p:sld>
+</file>
+
+<file path=ppt/slides/slide7.xml><?xml version="1.0" encoding="utf-8"?>
 <p:sld xmlns:a="http://schemas.openxmlformats.org/drawingml/2006/main" xmlns:r="http://schemas.openxmlformats.org/officeDocument/2006/relationships" xmlns:p="http://schemas.openxmlformats.org/presentationml/2006/main">
   <p:cSld>
     <p:spTree>
